--- a/JDK, JRE and JVM.pptx
+++ b/JDK, JRE and JVM.pptx
@@ -225,7 +225,7 @@
           <a:p>
             <a:fld id="{49723D1F-8050-4CEC-8CDC-068489702DB8}" type="datetimeFigureOut">
               <a:rPr lang="en-US" smtClean="0"/>
-              <a:t>7/29/2023</a:t>
+              <a:t>8/3/2023</a:t>
             </a:fld>
             <a:endParaRPr lang="en-US"/>
           </a:p>
@@ -624,7 +624,7 @@
           <a:p>
             <a:fld id="{F9A8CAAA-C69E-4E23-8F17-753C031153EF}" type="datetime1">
               <a:rPr lang="en-US" smtClean="0"/>
-              <a:t>7/29/2023</a:t>
+              <a:t>8/3/2023</a:t>
             </a:fld>
             <a:endParaRPr lang="en-US"/>
           </a:p>
@@ -798,7 +798,7 @@
           <a:p>
             <a:fld id="{853562D2-CD67-4321-B2DA-80F8A7272B47}" type="datetime1">
               <a:rPr lang="en-US" smtClean="0"/>
-              <a:t>7/29/2023</a:t>
+              <a:t>8/3/2023</a:t>
             </a:fld>
             <a:endParaRPr lang="en-US"/>
           </a:p>
@@ -982,7 +982,7 @@
           <a:p>
             <a:fld id="{6E4EFDBB-0A15-4A16-BF6C-BD85B1EA01F8}" type="datetime1">
               <a:rPr lang="en-US" smtClean="0"/>
-              <a:t>7/29/2023</a:t>
+              <a:t>8/3/2023</a:t>
             </a:fld>
             <a:endParaRPr lang="en-US"/>
           </a:p>
@@ -1156,7 +1156,7 @@
           <a:p>
             <a:fld id="{BC2F5F69-B871-4C84-A5F0-06FAFB05BF05}" type="datetime1">
               <a:rPr lang="en-US" smtClean="0"/>
-              <a:t>7/29/2023</a:t>
+              <a:t>8/3/2023</a:t>
             </a:fld>
             <a:endParaRPr lang="en-US"/>
           </a:p>
@@ -1406,7 +1406,7 @@
           <a:p>
             <a:fld id="{BA3F610E-30CA-4F4C-8A73-28108AD5210B}" type="datetime1">
               <a:rPr lang="en-US" smtClean="0"/>
-              <a:t>7/29/2023</a:t>
+              <a:t>8/3/2023</a:t>
             </a:fld>
             <a:endParaRPr lang="en-US"/>
           </a:p>
@@ -1642,7 +1642,7 @@
           <a:p>
             <a:fld id="{245D4084-3313-4A48-8CDD-5F6CA9FD400E}" type="datetime1">
               <a:rPr lang="en-US" smtClean="0"/>
-              <a:t>7/29/2023</a:t>
+              <a:t>8/3/2023</a:t>
             </a:fld>
             <a:endParaRPr lang="en-US"/>
           </a:p>
@@ -2013,7 +2013,7 @@
           <a:p>
             <a:fld id="{1CEBA6B8-429C-46C9-A488-165791E29C57}" type="datetime1">
               <a:rPr lang="en-US" smtClean="0"/>
-              <a:t>7/29/2023</a:t>
+              <a:t>8/3/2023</a:t>
             </a:fld>
             <a:endParaRPr lang="en-US"/>
           </a:p>
@@ -2135,7 +2135,7 @@
           <a:p>
             <a:fld id="{248149BF-3AA0-4FC3-96D9-FEB379492542}" type="datetime1">
               <a:rPr lang="en-US" smtClean="0"/>
-              <a:t>7/29/2023</a:t>
+              <a:t>8/3/2023</a:t>
             </a:fld>
             <a:endParaRPr lang="en-US"/>
           </a:p>
@@ -2234,7 +2234,7 @@
           <a:p>
             <a:fld id="{17BB9438-63D2-46BF-9A3A-7163AD39CF81}" type="datetime1">
               <a:rPr lang="en-US" smtClean="0"/>
-              <a:t>7/29/2023</a:t>
+              <a:t>8/3/2023</a:t>
             </a:fld>
             <a:endParaRPr lang="en-US"/>
           </a:p>
@@ -2515,7 +2515,7 @@
           <a:p>
             <a:fld id="{77A913C1-F763-4E2F-9E61-293D92A26469}" type="datetime1">
               <a:rPr lang="en-US" smtClean="0"/>
-              <a:t>7/29/2023</a:t>
+              <a:t>8/3/2023</a:t>
             </a:fld>
             <a:endParaRPr lang="en-US"/>
           </a:p>
@@ -2772,7 +2772,7 @@
           <a:p>
             <a:fld id="{79FA0A81-79BA-4DAB-8B45-4666591F20A5}" type="datetime1">
               <a:rPr lang="en-US" smtClean="0"/>
-              <a:t>7/29/2023</a:t>
+              <a:t>8/3/2023</a:t>
             </a:fld>
             <a:endParaRPr lang="en-US"/>
           </a:p>
@@ -2989,7 +2989,7 @@
           <a:p>
             <a:fld id="{4F95F24D-C532-4518-BBF9-CA0D2D29E76E}" type="datetime1">
               <a:rPr lang="en-US" smtClean="0"/>
-              <a:t>7/29/2023</a:t>
+              <a:t>8/3/2023</a:t>
             </a:fld>
             <a:endParaRPr lang="en-US"/>
           </a:p>
@@ -3440,7 +3440,7 @@
           <a:p>
             <a:fld id="{CD908A38-A974-4AD2-B97C-440E85CB6CFC}" type="datetime1">
               <a:rPr lang="en-US" smtClean="0"/>
-              <a:t>7/29/2023</a:t>
+              <a:t>8/3/2023</a:t>
             </a:fld>
             <a:endParaRPr lang="en-US"/>
           </a:p>
@@ -3699,7 +3699,7 @@
           <a:p>
             <a:fld id="{26BA42E1-971A-4774-A0FD-E499595368B6}" type="datetime1">
               <a:rPr lang="en-US" smtClean="0"/>
-              <a:t>7/29/2023</a:t>
+              <a:t>8/3/2023</a:t>
             </a:fld>
             <a:endParaRPr lang="en-US"/>
           </a:p>
@@ -3789,6 +3789,11 @@
           </p:cNvGraphicFramePr>
           <p:nvPr>
             <p:ph idx="1"/>
+            <p:extLst>
+              <p:ext uri="{D42A27DB-BD31-4B8C-83A1-F6EECF244321}">
+                <p14:modId xmlns:p14="http://schemas.microsoft.com/office/powerpoint/2010/main" val="4147792739"/>
+              </p:ext>
+            </p:extLst>
           </p:nvPr>
         </p:nvGraphicFramePr>
         <p:xfrm>
@@ -4649,11 +4654,32 @@
                     <a:lstStyle/>
                     <a:p>
                       <a:r>
+                        <a:rPr lang="en-US" dirty="0">
+                          <a:effectLst/>
+                        </a:rPr>
+                        <a:t>It </a:t>
+                      </a:r>
+                      <a:r>
                         <a:rPr lang="en-US">
                           <a:effectLst/>
                         </a:rPr>
-                        <a:t>It is platform-independent.</a:t>
+                        <a:t>is </a:t>
                       </a:r>
+                      <a:r>
+                        <a:rPr lang="en-US" sz="1800" b="0" i="0" kern="1200" smtClean="0">
+                          <a:solidFill>
+                            <a:schemeClr val="tx1"/>
+                          </a:solidFill>
+                          <a:effectLst/>
+                          <a:latin typeface="+mn-lt"/>
+                          <a:ea typeface="+mn-ea"/>
+                          <a:cs typeface="+mn-cs"/>
+                        </a:rPr>
+                        <a:t> platform-dependent.</a:t>
+                      </a:r>
+                      <a:endParaRPr lang="en-US" dirty="0">
+                        <a:effectLst/>
+                      </a:endParaRPr>
                     </a:p>
                   </a:txBody>
                   <a:tcPr anchor="ctr">
@@ -5224,7 +5250,7 @@
           <a:p>
             <a:fld id="{ABE6CF72-AEAD-4CC9-901D-E34AE2987F2C}" type="datetime1">
               <a:rPr lang="en-US" smtClean="0"/>
-              <a:t>7/29/2023</a:t>
+              <a:t>8/3/2023</a:t>
             </a:fld>
             <a:endParaRPr lang="en-US"/>
           </a:p>
@@ -5394,7 +5420,7 @@
           <a:p>
             <a:fld id="{ABED2CB9-40DA-408A-9CD4-6A818344C5C4}" type="datetime1">
               <a:rPr lang="en-US" smtClean="0"/>
-              <a:t>7/29/2023</a:t>
+              <a:t>8/3/2023</a:t>
             </a:fld>
             <a:endParaRPr lang="en-US"/>
           </a:p>
@@ -5517,7 +5543,7 @@
           <a:p>
             <a:fld id="{ABD9734E-C452-4E36-8B00-E3E7C6E4714C}" type="datetime1">
               <a:rPr lang="en-US" smtClean="0"/>
-              <a:t>7/29/2023</a:t>
+              <a:t>8/3/2023</a:t>
             </a:fld>
             <a:endParaRPr lang="en-US"/>
           </a:p>
@@ -5638,7 +5664,7 @@
           <a:p>
             <a:fld id="{00510D1E-E550-475C-B002-1C5EA9670B7B}" type="datetime1">
               <a:rPr lang="en-US" smtClean="0"/>
-              <a:t>7/29/2023</a:t>
+              <a:t>8/3/2023</a:t>
             </a:fld>
             <a:endParaRPr lang="en-US"/>
           </a:p>
@@ -5759,7 +5785,7 @@
           <a:p>
             <a:fld id="{F5858629-896C-4FE1-AF7F-626813805FD1}" type="datetime1">
               <a:rPr lang="en-US" smtClean="0"/>
-              <a:t>7/29/2023</a:t>
+              <a:t>8/3/2023</a:t>
             </a:fld>
             <a:endParaRPr lang="en-US"/>
           </a:p>
@@ -5880,7 +5906,7 @@
           <a:p>
             <a:fld id="{136C70D1-2FA9-479F-9FCB-B2C71CCE7982}" type="datetime1">
               <a:rPr lang="en-US" smtClean="0"/>
-              <a:t>7/29/2023</a:t>
+              <a:t>8/3/2023</a:t>
             </a:fld>
             <a:endParaRPr lang="en-US"/>
           </a:p>
@@ -6043,7 +6069,7 @@
           <a:p>
             <a:fld id="{BF3CCE49-1C98-4D87-9756-9B8A90550A0C}" type="datetime1">
               <a:rPr lang="en-US" smtClean="0"/>
-              <a:t>7/29/2023</a:t>
+              <a:t>8/3/2023</a:t>
             </a:fld>
             <a:endParaRPr lang="en-US"/>
           </a:p>
@@ -6198,7 +6224,7 @@
           <a:p>
             <a:fld id="{1B856A13-72E5-43EC-BCE4-9CA5FF700065}" type="datetime1">
               <a:rPr lang="en-US" smtClean="0"/>
-              <a:t>7/29/2023</a:t>
+              <a:t>8/3/2023</a:t>
             </a:fld>
             <a:endParaRPr lang="en-US"/>
           </a:p>
@@ -6373,7 +6399,7 @@
           <a:p>
             <a:fld id="{EC7058D3-A9DF-4583-B79A-7B71E1231691}" type="datetime1">
               <a:rPr lang="en-US" smtClean="0"/>
-              <a:t>7/29/2023</a:t>
+              <a:t>8/3/2023</a:t>
             </a:fld>
             <a:endParaRPr lang="en-US"/>
           </a:p>
@@ -6496,7 +6522,7 @@
           <a:p>
             <a:fld id="{8C60F04C-64C3-4A89-A5B2-DEFECC9E5315}" type="datetime1">
               <a:rPr lang="en-US" smtClean="0"/>
-              <a:t>7/29/2023</a:t>
+              <a:t>8/3/2023</a:t>
             </a:fld>
             <a:endParaRPr lang="en-US"/>
           </a:p>
@@ -6642,7 +6668,7 @@
           <a:p>
             <a:fld id="{C1E875A8-7665-4B0A-9DEF-2C8B201FC682}" type="datetime1">
               <a:rPr lang="en-US" smtClean="0"/>
-              <a:t>7/29/2023</a:t>
+              <a:t>8/3/2023</a:t>
             </a:fld>
             <a:endParaRPr lang="en-US"/>
           </a:p>
@@ -6803,7 +6829,7 @@
           <a:p>
             <a:fld id="{AA5DDC67-4042-4353-99EC-81E3A4C5139A}" type="datetime1">
               <a:rPr lang="en-US" smtClean="0"/>
-              <a:t>7/29/2023</a:t>
+              <a:t>8/3/2023</a:t>
             </a:fld>
             <a:endParaRPr lang="en-US"/>
           </a:p>
@@ -6964,7 +6990,7 @@
           <a:p>
             <a:fld id="{BA5BB171-D342-44D7-8AB9-A07B3FA7F3B4}" type="datetime1">
               <a:rPr lang="en-US" smtClean="0"/>
-              <a:t>7/29/2023</a:t>
+              <a:t>8/3/2023</a:t>
             </a:fld>
             <a:endParaRPr lang="en-US"/>
           </a:p>
@@ -7085,7 +7111,7 @@
           <a:p>
             <a:fld id="{716775C4-5E3C-4016-A42A-9C412B3A97C9}" type="datetime1">
               <a:rPr lang="en-US" smtClean="0"/>
-              <a:t>7/29/2023</a:t>
+              <a:t>8/3/2023</a:t>
             </a:fld>
             <a:endParaRPr lang="en-US"/>
           </a:p>
@@ -7232,7 +7258,7 @@
           <a:p>
             <a:fld id="{EE9DADFE-1814-4633-BD86-06567DCC36AD}" type="datetime1">
               <a:rPr lang="en-US" smtClean="0"/>
-              <a:t>7/29/2023</a:t>
+              <a:t>8/3/2023</a:t>
             </a:fld>
             <a:endParaRPr lang="en-US"/>
           </a:p>
@@ -7379,7 +7405,7 @@
           <a:p>
             <a:fld id="{FEED912A-413D-401F-BCA5-1A05984E5381}" type="datetime1">
               <a:rPr lang="en-US" smtClean="0"/>
-              <a:t>7/29/2023</a:t>
+              <a:t>8/3/2023</a:t>
             </a:fld>
             <a:endParaRPr lang="en-US"/>
           </a:p>
@@ -7526,7 +7552,7 @@
           <a:p>
             <a:fld id="{3D9DE1BA-641E-4CB8-A734-90AFE4A6E6B5}" type="datetime1">
               <a:rPr lang="en-US" smtClean="0"/>
-              <a:t>7/29/2023</a:t>
+              <a:t>8/3/2023</a:t>
             </a:fld>
             <a:endParaRPr lang="en-US"/>
           </a:p>
@@ -7673,7 +7699,7 @@
           <a:p>
             <a:fld id="{69F6C061-0CAE-4040-AF5F-98E0F09D2835}" type="datetime1">
               <a:rPr lang="en-US" smtClean="0"/>
-              <a:t>7/29/2023</a:t>
+              <a:t>8/3/2023</a:t>
             </a:fld>
             <a:endParaRPr lang="en-US"/>
           </a:p>
@@ -7820,7 +7846,7 @@
           <a:p>
             <a:fld id="{30AE0ECC-E00C-4E77-8680-3500A53345A5}" type="datetime1">
               <a:rPr lang="en-US" smtClean="0"/>
-              <a:t>7/29/2023</a:t>
+              <a:t>8/3/2023</a:t>
             </a:fld>
             <a:endParaRPr lang="en-US"/>
           </a:p>
@@ -7967,7 +7993,7 @@
           <a:p>
             <a:fld id="{FA232FC9-33F6-4959-8A20-221F285B2CD6}" type="datetime1">
               <a:rPr lang="en-US" smtClean="0"/>
-              <a:t>7/29/2023</a:t>
+              <a:t>8/3/2023</a:t>
             </a:fld>
             <a:endParaRPr lang="en-US"/>
           </a:p>
@@ -8118,7 +8144,7 @@
           <a:p>
             <a:fld id="{F50AEBE3-6C8A-4134-8D91-0F077FE7315A}" type="datetime1">
               <a:rPr lang="en-US" smtClean="0"/>
-              <a:t>7/29/2023</a:t>
+              <a:t>8/3/2023</a:t>
             </a:fld>
             <a:endParaRPr lang="en-US"/>
           </a:p>
@@ -8312,7 +8338,7 @@
           <a:p>
             <a:fld id="{E18FB377-6927-461B-986C-5834A8C7F7AA}" type="datetime1">
               <a:rPr lang="en-US" smtClean="0"/>
-              <a:t>7/29/2023</a:t>
+              <a:t>8/3/2023</a:t>
             </a:fld>
             <a:endParaRPr lang="en-US"/>
           </a:p>
@@ -8552,7 +8578,7 @@
           <a:p>
             <a:fld id="{3DB89408-0D7D-462C-A112-29B8D144D6CD}" type="datetime1">
               <a:rPr lang="en-US" smtClean="0"/>
-              <a:t>7/29/2023</a:t>
+              <a:t>8/3/2023</a:t>
             </a:fld>
             <a:endParaRPr lang="en-US"/>
           </a:p>
@@ -8786,7 +8812,7 @@
           <a:p>
             <a:fld id="{135C9F8E-A0F3-494F-8298-0691918D13A6}" type="datetime1">
               <a:rPr lang="en-US" smtClean="0"/>
-              <a:t>7/29/2023</a:t>
+              <a:t>8/3/2023</a:t>
             </a:fld>
             <a:endParaRPr lang="en-US"/>
           </a:p>
@@ -9016,7 +9042,7 @@
           <a:p>
             <a:fld id="{44457723-FE4A-4B28-9684-F4666E2C9313}" type="datetime1">
               <a:rPr lang="en-US" smtClean="0"/>
-              <a:t>7/29/2023</a:t>
+              <a:t>8/3/2023</a:t>
             </a:fld>
             <a:endParaRPr lang="en-US"/>
           </a:p>
@@ -9214,7 +9240,7 @@
           <a:p>
             <a:fld id="{5A924084-4B37-4E57-8DD5-4F7955364217}" type="datetime1">
               <a:rPr lang="en-US" smtClean="0"/>
-              <a:t>7/29/2023</a:t>
+              <a:t>8/3/2023</a:t>
             </a:fld>
             <a:endParaRPr lang="en-US"/>
           </a:p>
@@ -9370,7 +9396,7 @@
           <a:p>
             <a:fld id="{E5184100-FB1F-41CB-A6E8-FBAD151B6307}" type="datetime1">
               <a:rPr lang="en-US" smtClean="0"/>
-              <a:t>7/29/2023</a:t>
+              <a:t>8/3/2023</a:t>
             </a:fld>
             <a:endParaRPr lang="en-US"/>
           </a:p>
